--- a/doc/MerrittCloud API.pptx
+++ b/doc/MerrittCloud API.pptx
@@ -31,6 +31,7 @@
     <p:sldId id="283" r:id="rId25"/>
     <p:sldId id="278" r:id="rId26"/>
     <p:sldId id="264" r:id="rId27"/>
+    <p:sldId id="284" r:id="rId28"/>
   </p:sldIdLst>
   <p:sldSz cx="9144000" cy="6858000" type="screen4x3"/>
   <p:notesSz cx="6858000" cy="9144000"/>
@@ -313,7 +314,7 @@
           <a:p>
             <a:fld id="{2DC2D2D9-34A2-4163-A232-4C1FC69A938C}" type="datetimeFigureOut">
               <a:rPr lang="en-US" smtClean="0"/>
-              <a:t>7/19/2017</a:t>
+              <a:t>10/9/2017</a:t>
             </a:fld>
             <a:endParaRPr lang="en-US"/>
           </a:p>
@@ -483,7 +484,7 @@
           <a:p>
             <a:fld id="{2DC2D2D9-34A2-4163-A232-4C1FC69A938C}" type="datetimeFigureOut">
               <a:rPr lang="en-US" smtClean="0"/>
-              <a:t>7/19/2017</a:t>
+              <a:t>10/9/2017</a:t>
             </a:fld>
             <a:endParaRPr lang="en-US"/>
           </a:p>
@@ -663,7 +664,7 @@
           <a:p>
             <a:fld id="{2DC2D2D9-34A2-4163-A232-4C1FC69A938C}" type="datetimeFigureOut">
               <a:rPr lang="en-US" smtClean="0"/>
-              <a:t>7/19/2017</a:t>
+              <a:t>10/9/2017</a:t>
             </a:fld>
             <a:endParaRPr lang="en-US"/>
           </a:p>
@@ -833,7 +834,7 @@
           <a:p>
             <a:fld id="{2DC2D2D9-34A2-4163-A232-4C1FC69A938C}" type="datetimeFigureOut">
               <a:rPr lang="en-US" smtClean="0"/>
-              <a:t>7/19/2017</a:t>
+              <a:t>10/9/2017</a:t>
             </a:fld>
             <a:endParaRPr lang="en-US"/>
           </a:p>
@@ -1079,7 +1080,7 @@
           <a:p>
             <a:fld id="{2DC2D2D9-34A2-4163-A232-4C1FC69A938C}" type="datetimeFigureOut">
               <a:rPr lang="en-US" smtClean="0"/>
-              <a:t>7/19/2017</a:t>
+              <a:t>10/9/2017</a:t>
             </a:fld>
             <a:endParaRPr lang="en-US"/>
           </a:p>
@@ -1367,7 +1368,7 @@
           <a:p>
             <a:fld id="{2DC2D2D9-34A2-4163-A232-4C1FC69A938C}" type="datetimeFigureOut">
               <a:rPr lang="en-US" smtClean="0"/>
-              <a:t>7/19/2017</a:t>
+              <a:t>10/9/2017</a:t>
             </a:fld>
             <a:endParaRPr lang="en-US"/>
           </a:p>
@@ -1789,7 +1790,7 @@
           <a:p>
             <a:fld id="{2DC2D2D9-34A2-4163-A232-4C1FC69A938C}" type="datetimeFigureOut">
               <a:rPr lang="en-US" smtClean="0"/>
-              <a:t>7/19/2017</a:t>
+              <a:t>10/9/2017</a:t>
             </a:fld>
             <a:endParaRPr lang="en-US"/>
           </a:p>
@@ -1907,7 +1908,7 @@
           <a:p>
             <a:fld id="{2DC2D2D9-34A2-4163-A232-4C1FC69A938C}" type="datetimeFigureOut">
               <a:rPr lang="en-US" smtClean="0"/>
-              <a:t>7/19/2017</a:t>
+              <a:t>10/9/2017</a:t>
             </a:fld>
             <a:endParaRPr lang="en-US"/>
           </a:p>
@@ -2002,7 +2003,7 @@
           <a:p>
             <a:fld id="{2DC2D2D9-34A2-4163-A232-4C1FC69A938C}" type="datetimeFigureOut">
               <a:rPr lang="en-US" smtClean="0"/>
-              <a:t>7/19/2017</a:t>
+              <a:t>10/9/2017</a:t>
             </a:fld>
             <a:endParaRPr lang="en-US"/>
           </a:p>
@@ -2279,7 +2280,7 @@
           <a:p>
             <a:fld id="{2DC2D2D9-34A2-4163-A232-4C1FC69A938C}" type="datetimeFigureOut">
               <a:rPr lang="en-US" smtClean="0"/>
-              <a:t>7/19/2017</a:t>
+              <a:t>10/9/2017</a:t>
             </a:fld>
             <a:endParaRPr lang="en-US"/>
           </a:p>
@@ -2532,7 +2533,7 @@
           <a:p>
             <a:fld id="{2DC2D2D9-34A2-4163-A232-4C1FC69A938C}" type="datetimeFigureOut">
               <a:rPr lang="en-US" smtClean="0"/>
-              <a:t>7/19/2017</a:t>
+              <a:t>10/9/2017</a:t>
             </a:fld>
             <a:endParaRPr lang="en-US"/>
           </a:p>
@@ -2745,7 +2746,7 @@
           <a:p>
             <a:fld id="{2DC2D2D9-34A2-4163-A232-4C1FC69A938C}" type="datetimeFigureOut">
               <a:rPr lang="en-US" smtClean="0"/>
-              <a:t>7/19/2017</a:t>
+              <a:t>10/9/2017</a:t>
             </a:fld>
             <a:endParaRPr lang="en-US"/>
           </a:p>
@@ -4117,7 +4118,6 @@
               <a:rPr lang="en-US" dirty="0" smtClean="0"/>
               <a:t> not supported by Swift</a:t>
             </a:r>
-            <a:endParaRPr lang="en-US" dirty="0" smtClean="0"/>
           </a:p>
         </p:txBody>
       </p:sp>
@@ -5674,6 +5674,139 @@
     <p:extLst>
       <p:ext uri="{BB962C8B-B14F-4D97-AF65-F5344CB8AC3E}">
         <p14:creationId xmlns:p14="http://schemas.microsoft.com/office/powerpoint/2010/main" val="1455094231"/>
+      </p:ext>
+    </p:extLst>
+  </p:cSld>
+  <p:clrMapOvr>
+    <a:masterClrMapping/>
+  </p:clrMapOvr>
+</p:sld>
+</file>
+
+<file path=ppt/slides/slide27.xml><?xml version="1.0" encoding="utf-8"?>
+<p:sld xmlns:a="http://schemas.openxmlformats.org/drawingml/2006/main" xmlns:r="http://schemas.openxmlformats.org/officeDocument/2006/relationships" xmlns:p="http://schemas.openxmlformats.org/presentationml/2006/main">
+  <p:cSld>
+    <p:spTree>
+      <p:nvGrpSpPr>
+        <p:cNvPr id="1" name=""/>
+        <p:cNvGrpSpPr/>
+        <p:nvPr/>
+      </p:nvGrpSpPr>
+      <p:grpSpPr>
+        <a:xfrm>
+          <a:off x="0" y="0"/>
+          <a:ext cx="0" cy="0"/>
+          <a:chOff x="0" y="0"/>
+          <a:chExt cx="0" cy="0"/>
+        </a:xfrm>
+      </p:grpSpPr>
+      <p:sp>
+        <p:nvSpPr>
+          <p:cNvPr id="2" name="Title 1"/>
+          <p:cNvSpPr>
+            <a:spLocks noGrp="1"/>
+          </p:cNvSpPr>
+          <p:nvPr>
+            <p:ph type="title"/>
+          </p:nvPr>
+        </p:nvSpPr>
+        <p:spPr/>
+        <p:txBody>
+          <a:bodyPr/>
+          <a:lstStyle/>
+          <a:p>
+            <a:r>
+              <a:rPr lang="en-US" dirty="0" smtClean="0"/>
+              <a:t>Changes hg to </a:t>
+            </a:r>
+            <a:r>
+              <a:rPr lang="en-US" dirty="0" err="1" smtClean="0"/>
+              <a:t>git</a:t>
+            </a:r>
+            <a:endParaRPr lang="en-US" dirty="0"/>
+          </a:p>
+        </p:txBody>
+      </p:sp>
+      <p:sp>
+        <p:nvSpPr>
+          <p:cNvPr id="3" name="Content Placeholder 2"/>
+          <p:cNvSpPr>
+            <a:spLocks noGrp="1"/>
+          </p:cNvSpPr>
+          <p:nvPr>
+            <p:ph idx="1"/>
+          </p:nvPr>
+        </p:nvSpPr>
+        <p:spPr/>
+        <p:txBody>
+          <a:bodyPr/>
+          <a:lstStyle/>
+          <a:p>
+            <a:r>
+              <a:rPr lang="en-US" dirty="0" smtClean="0"/>
+              <a:t>Split repository to </a:t>
+            </a:r>
+            <a:r>
+              <a:rPr lang="en-US" dirty="0" err="1" smtClean="0"/>
+              <a:t>mrt</a:t>
+            </a:r>
+            <a:r>
+              <a:rPr lang="en-US" dirty="0" smtClean="0"/>
+              <a:t>-cloud and </a:t>
+            </a:r>
+            <a:r>
+              <a:rPr lang="en-US" dirty="0" err="1" smtClean="0"/>
+              <a:t>mrt-conf-prv</a:t>
+            </a:r>
+            <a:r>
+              <a:rPr lang="en-US" dirty="0" smtClean="0"/>
+              <a:t>/s3-conf</a:t>
+            </a:r>
+          </a:p>
+          <a:p>
+            <a:r>
+              <a:rPr lang="en-US" dirty="0" smtClean="0"/>
+              <a:t>Modification of jar names specific to </a:t>
+            </a:r>
+            <a:r>
+              <a:rPr lang="en-US" dirty="0" err="1" smtClean="0"/>
+              <a:t>prv</a:t>
+            </a:r>
+            <a:endParaRPr lang="en-US" dirty="0" smtClean="0"/>
+          </a:p>
+          <a:p>
+            <a:r>
+              <a:rPr lang="en-US" dirty="0" smtClean="0"/>
+              <a:t>Drop old test repositories except </a:t>
+            </a:r>
+            <a:r>
+              <a:rPr lang="en-US" dirty="0" err="1" smtClean="0"/>
+              <a:t>mrt</a:t>
+            </a:r>
+            <a:r>
+              <a:rPr lang="en-US" dirty="0" smtClean="0"/>
+              <a:t>-test/s3-test</a:t>
+            </a:r>
+          </a:p>
+          <a:p>
+            <a:r>
+              <a:rPr lang="en-US" dirty="0" smtClean="0"/>
+              <a:t>Modification builds</a:t>
+            </a:r>
+            <a:r>
+              <a:rPr lang="en-US" smtClean="0"/>
+              <a:t>: builds-s3</a:t>
+            </a:r>
+          </a:p>
+          <a:p>
+            <a:endParaRPr lang="en-US" dirty="0"/>
+          </a:p>
+        </p:txBody>
+      </p:sp>
+    </p:spTree>
+    <p:extLst>
+      <p:ext uri="{BB962C8B-B14F-4D97-AF65-F5344CB8AC3E}">
+        <p14:creationId xmlns:p14="http://schemas.microsoft.com/office/powerpoint/2010/main" val="3052929671"/>
       </p:ext>
     </p:extLst>
   </p:cSld>
@@ -7322,11 +7455,7 @@
           <a:p>
             <a:r>
               <a:rPr lang="en-US" dirty="0" err="1" smtClean="0"/>
-              <a:t>Oracle</a:t>
-            </a:r>
-            <a:r>
-              <a:rPr lang="en-US" dirty="0" err="1" smtClean="0"/>
-              <a:t>Transfer</a:t>
+              <a:t>OracleTransfer</a:t>
             </a:r>
             <a:endParaRPr lang="en-US" dirty="0" smtClean="0"/>
           </a:p>
@@ -7467,7 +7596,6 @@
               <a:rPr lang="en-US" dirty="0" smtClean="0"/>
               <a:t>Post, Get, Delete, Metadata, List</a:t>
             </a:r>
-            <a:endParaRPr lang="en-US" dirty="0" smtClean="0"/>
           </a:p>
           <a:p>
             <a:r>
